--- a/Hlášky učitelů SPŠTU.pptx
+++ b/Hlášky učitelů SPŠTU.pptx
@@ -6,6 +6,7 @@
   </p:sldMasterIdLst>
   <p:sldIdLst>
     <p:sldId id="256" r:id="rId2"/>
+    <p:sldId id="258" r:id="rId3"/>
   </p:sldIdLst>
   <p:sldSz cx="12192000" cy="6858000"/>
   <p:notesSz cx="6858000" cy="9144000"/>
@@ -104,6 +105,11 @@
       </a:defRPr>
     </a:lvl9pPr>
   </p:defaultTextStyle>
+  <p:extLst>
+    <p:ext uri="{EFAFB233-063F-42B5-8137-9DF3F51BA10A}">
+      <p15:sldGuideLst xmlns:p15="http://schemas.microsoft.com/office/powerpoint/2012/main"/>
+    </p:ext>
+  </p:extLst>
 </p:presentation>
 </file>
 
@@ -3344,11 +3350,13 @@
           </a:xfrm>
         </p:spPr>
         <p:txBody>
-          <a:bodyPr/>
-          <a:lstStyle/>
-          <a:p>
-            <a:r>
-              <a:rPr lang="cs-CZ" dirty="0"/>
+          <a:bodyPr>
+            <a:normAutofit/>
+          </a:bodyPr>
+          <a:lstStyle/>
+          <a:p>
+            <a:r>
+              <a:rPr lang="cs-CZ" b="1" u="sng" dirty="0"/>
               <a:t>Hlášky učitelů SPŠTU</a:t>
             </a:r>
           </a:p>
@@ -3358,6 +3366,169 @@
     <p:extLst>
       <p:ext uri="{BB962C8B-B14F-4D97-AF65-F5344CB8AC3E}">
         <p14:creationId xmlns:p14="http://schemas.microsoft.com/office/powerpoint/2010/main" val="4136681537"/>
+      </p:ext>
+    </p:extLst>
+  </p:cSld>
+  <p:clrMapOvr>
+    <a:masterClrMapping/>
+  </p:clrMapOvr>
+</p:sld>
+</file>
+
+<file path=ppt/slides/slide2.xml><?xml version="1.0" encoding="utf-8"?>
+<p:sld xmlns:a="http://schemas.openxmlformats.org/drawingml/2006/main" xmlns:r="http://schemas.openxmlformats.org/officeDocument/2006/relationships" xmlns:p="http://schemas.openxmlformats.org/presentationml/2006/main">
+  <p:cSld>
+    <p:spTree>
+      <p:nvGrpSpPr>
+        <p:cNvPr id="1" name=""/>
+        <p:cNvGrpSpPr/>
+        <p:nvPr/>
+      </p:nvGrpSpPr>
+      <p:grpSpPr>
+        <a:xfrm>
+          <a:off x="0" y="0"/>
+          <a:ext cx="0" cy="0"/>
+          <a:chOff x="0" y="0"/>
+          <a:chExt cx="0" cy="0"/>
+        </a:xfrm>
+      </p:grpSpPr>
+      <p:sp>
+        <p:nvSpPr>
+          <p:cNvPr id="2" name="Nadpis 1">
+            <a:extLst>
+              <a:ext uri="{FF2B5EF4-FFF2-40B4-BE49-F238E27FC236}">
+                <a16:creationId xmlns:a16="http://schemas.microsoft.com/office/drawing/2014/main" id="{0401A6C4-5EB3-E583-3B2A-60B788106640}"/>
+              </a:ext>
+            </a:extLst>
+          </p:cNvPr>
+          <p:cNvSpPr>
+            <a:spLocks noGrp="1"/>
+          </p:cNvSpPr>
+          <p:nvPr>
+            <p:ph type="title"/>
+          </p:nvPr>
+        </p:nvSpPr>
+        <p:spPr/>
+        <p:txBody>
+          <a:bodyPr>
+            <a:normAutofit/>
+          </a:bodyPr>
+          <a:lstStyle/>
+          <a:p>
+            <a:pPr algn="ctr"/>
+            <a:r>
+              <a:rPr lang="cs-CZ" sz="3200" b="1" u="sng" dirty="0"/>
+              <a:t>2 Módy</a:t>
+            </a:r>
+          </a:p>
+        </p:txBody>
+      </p:sp>
+      <p:sp>
+        <p:nvSpPr>
+          <p:cNvPr id="3" name="Zástupný obsah 2">
+            <a:extLst>
+              <a:ext uri="{FF2B5EF4-FFF2-40B4-BE49-F238E27FC236}">
+                <a16:creationId xmlns:a16="http://schemas.microsoft.com/office/drawing/2014/main" id="{0FD2BBFC-F80A-3FFF-D8F7-BDC71494C693}"/>
+              </a:ext>
+            </a:extLst>
+          </p:cNvPr>
+          <p:cNvSpPr>
+            <a:spLocks noGrp="1"/>
+          </p:cNvSpPr>
+          <p:nvPr>
+            <p:ph sz="half" idx="1"/>
+          </p:nvPr>
+        </p:nvSpPr>
+        <p:spPr/>
+        <p:txBody>
+          <a:bodyPr>
+            <a:normAutofit/>
+          </a:bodyPr>
+          <a:lstStyle/>
+          <a:p>
+            <a:pPr marL="0" indent="0" algn="ctr">
+              <a:buNone/>
+            </a:pPr>
+            <a:r>
+              <a:rPr lang="cs-CZ" sz="3200" b="1" u="sng" dirty="0">
+                <a:latin typeface="+mj-lt"/>
+              </a:rPr>
+              <a:t>Náhlá smrt</a:t>
+            </a:r>
+          </a:p>
+          <a:p>
+            <a:r>
+              <a:rPr lang="cs-CZ" sz="2000" dirty="0"/>
+              <a:t>hra končí po špatně zodpovězené otázce</a:t>
+            </a:r>
+          </a:p>
+          <a:p>
+            <a:r>
+              <a:rPr lang="cs-CZ" sz="2000" dirty="0"/>
+              <a:t>za každou dobrou se přičte jeden bod</a:t>
+            </a:r>
+          </a:p>
+          <a:p>
+            <a:endParaRPr lang="cs-CZ" dirty="0"/>
+          </a:p>
+        </p:txBody>
+      </p:sp>
+      <p:sp>
+        <p:nvSpPr>
+          <p:cNvPr id="4" name="Zástupný obsah 3">
+            <a:extLst>
+              <a:ext uri="{FF2B5EF4-FFF2-40B4-BE49-F238E27FC236}">
+                <a16:creationId xmlns:a16="http://schemas.microsoft.com/office/drawing/2014/main" id="{C36C324D-4F61-4E3A-D70A-C520E1B1A42C}"/>
+              </a:ext>
+            </a:extLst>
+          </p:cNvPr>
+          <p:cNvSpPr>
+            <a:spLocks noGrp="1"/>
+          </p:cNvSpPr>
+          <p:nvPr>
+            <p:ph sz="half" idx="2"/>
+          </p:nvPr>
+        </p:nvSpPr>
+        <p:spPr/>
+        <p:txBody>
+          <a:bodyPr>
+            <a:normAutofit/>
+          </a:bodyPr>
+          <a:lstStyle/>
+          <a:p>
+            <a:pPr marL="0" indent="0" algn="ctr">
+              <a:buNone/>
+            </a:pPr>
+            <a:r>
+              <a:rPr lang="cs-CZ" b="1" u="sng" dirty="0">
+                <a:latin typeface="+mj-lt"/>
+              </a:rPr>
+              <a:t>Bodovaný </a:t>
+            </a:r>
+            <a:r>
+              <a:rPr lang="cs-CZ" b="1" u="sng" dirty="0" err="1">
+                <a:latin typeface="+mj-lt"/>
+              </a:rPr>
+              <a:t>quíz</a:t>
+            </a:r>
+            <a:endParaRPr lang="cs-CZ" b="1" u="sng" dirty="0">
+              <a:latin typeface="+mj-lt"/>
+            </a:endParaRPr>
+          </a:p>
+          <a:p>
+            <a:r>
+              <a:rPr lang="cs-CZ" sz="2000" dirty="0">
+                <a:latin typeface="+mj-lt"/>
+              </a:rPr>
+              <a:t>Dostanete 10 otázek, na konci se dozvíte své skóre</a:t>
+            </a:r>
+          </a:p>
+        </p:txBody>
+      </p:sp>
+    </p:spTree>
+    <p:extLst>
+      <p:ext uri="{BB962C8B-B14F-4D97-AF65-F5344CB8AC3E}">
+        <p14:creationId xmlns:p14="http://schemas.microsoft.com/office/powerpoint/2010/main" val="1297441049"/>
       </p:ext>
     </p:extLst>
   </p:cSld>
